--- a/程设大作业.pptx
+++ b/程设大作业.pptx
@@ -699,7 +699,150 @@
           <a:bodyPr/>
           <a:lstStyle/>
           <a:p>
-            <a:endParaRPr lang="zh-CN" altLang="en-US" dirty="0"/>
+            <a:r>
+              <a:rPr lang="zh-CN" altLang="en-US" dirty="0"/>
+              <a:t>在词法分析和语法分析方面，编译器使用</a:t>
+            </a:r>
+            <a:r>
+              <a:rPr lang="en-US" altLang="zh-CN" dirty="0"/>
+              <a:t>python</a:t>
+            </a:r>
+            <a:r>
+              <a:rPr lang="zh-CN" altLang="en-US" dirty="0"/>
+              <a:t>作为实现语言，利用</a:t>
+            </a:r>
+            <a:r>
+              <a:rPr lang="en-US" altLang="zh-CN" dirty="0"/>
+              <a:t>ply</a:t>
+            </a:r>
+            <a:r>
+              <a:rPr lang="zh-CN" altLang="en-US" dirty="0"/>
+              <a:t>库进行词法的分析以及抽象语法树的生成。</a:t>
+            </a:r>
+            <a:endParaRPr lang="en-US" altLang="zh-CN" dirty="0"/>
+          </a:p>
+          <a:p>
+            <a:endParaRPr lang="en-US" altLang="zh-CN" dirty="0"/>
+          </a:p>
+          <a:p>
+            <a:r>
+              <a:rPr lang="zh-CN" altLang="en-US" dirty="0"/>
+              <a:t>对于词法分析，</a:t>
+            </a:r>
+            <a:r>
+              <a:rPr lang="en-US" altLang="zh-CN" dirty="0"/>
+              <a:t>ply</a:t>
+            </a:r>
+            <a:r>
+              <a:rPr lang="zh-CN" altLang="en-US" dirty="0"/>
+              <a:t>会基于有限状态机进行</a:t>
+            </a:r>
+            <a:r>
+              <a:rPr lang="en-US" altLang="zh-CN" dirty="0"/>
+              <a:t>token</a:t>
+            </a:r>
+            <a:r>
+              <a:rPr lang="zh-CN" altLang="en-US" dirty="0"/>
+              <a:t>的识别，我们通过正则表达式定义相关</a:t>
+            </a:r>
+            <a:r>
+              <a:rPr lang="en-US" altLang="zh-CN" dirty="0"/>
+              <a:t>token</a:t>
+            </a:r>
+            <a:r>
+              <a:rPr lang="zh-CN" altLang="en-US" dirty="0"/>
+              <a:t>的词法规则。例如标识符的定义如下（展示）</a:t>
+            </a:r>
+            <a:endParaRPr lang="en-US" altLang="zh-CN" dirty="0"/>
+          </a:p>
+          <a:p>
+            <a:endParaRPr lang="en-US" altLang="zh-CN" dirty="0"/>
+          </a:p>
+          <a:p>
+            <a:r>
+              <a:rPr lang="zh-CN" altLang="en-US" dirty="0"/>
+              <a:t>在识别的过程中，</a:t>
+            </a:r>
+            <a:r>
+              <a:rPr lang="en-US" altLang="zh-CN" dirty="0"/>
+              <a:t>ply</a:t>
+            </a:r>
+            <a:r>
+              <a:rPr lang="zh-CN" altLang="en-US" dirty="0"/>
+              <a:t>会自动根据上述定义的词法规则生成一个有限状态机，来处理代码中的字符流。</a:t>
+            </a:r>
+            <a:endParaRPr lang="en-US" altLang="zh-CN" dirty="0"/>
+          </a:p>
+          <a:p>
+            <a:endParaRPr lang="en-US" altLang="zh-CN" dirty="0"/>
+          </a:p>
+          <a:p>
+            <a:r>
+              <a:rPr lang="zh-CN" altLang="en-US" dirty="0"/>
+              <a:t>例如初始状态下，读取到小写</a:t>
+            </a:r>
+            <a:r>
+              <a:rPr lang="en-US" altLang="zh-CN" dirty="0"/>
+              <a:t>a</a:t>
+            </a:r>
+            <a:r>
+              <a:rPr lang="zh-CN" altLang="en-US" dirty="0"/>
+              <a:t>到</a:t>
+            </a:r>
+            <a:r>
+              <a:rPr lang="en-US" altLang="zh-CN" dirty="0"/>
+              <a:t>z</a:t>
+            </a:r>
+            <a:r>
+              <a:rPr lang="zh-CN" altLang="en-US" dirty="0"/>
+              <a:t>或者大写</a:t>
+            </a:r>
+            <a:r>
+              <a:rPr lang="en-US" altLang="zh-CN" dirty="0"/>
+              <a:t>A</a:t>
+            </a:r>
+            <a:r>
+              <a:rPr lang="zh-CN" altLang="en-US" dirty="0"/>
+              <a:t>到</a:t>
+            </a:r>
+            <a:r>
+              <a:rPr lang="en-US" altLang="zh-CN" dirty="0"/>
+              <a:t>Z</a:t>
+            </a:r>
+            <a:r>
+              <a:rPr lang="zh-CN" altLang="en-US" dirty="0"/>
+              <a:t>，亦或是下划线，就会进入标识符识别阶段，也就是</a:t>
+            </a:r>
+            <a:r>
+              <a:rPr lang="en-US" altLang="zh-CN" dirty="0" err="1"/>
+              <a:t>indentifier</a:t>
+            </a:r>
+            <a:r>
+              <a:rPr lang="en-US" altLang="zh-CN" dirty="0"/>
+              <a:t> recognition</a:t>
+            </a:r>
+            <a:r>
+              <a:rPr lang="zh-CN" altLang="en-US" dirty="0"/>
+              <a:t>阶段，</a:t>
+            </a:r>
+            <a:endParaRPr lang="en-US" altLang="zh-CN" dirty="0"/>
+          </a:p>
+          <a:p>
+            <a:endParaRPr lang="en-US" altLang="zh-CN" dirty="0"/>
+          </a:p>
+          <a:p>
+            <a:r>
+              <a:rPr lang="zh-CN" altLang="en-US" dirty="0"/>
+              <a:t>然后再读取到</a:t>
+            </a:r>
+            <a:r>
+              <a:rPr lang="en-US" altLang="zh-CN" dirty="0"/>
+              <a:t>a-zA-Z_0-9</a:t>
+            </a:r>
+            <a:r>
+              <a:rPr lang="zh-CN" altLang="en-US" dirty="0"/>
+              <a:t>时，就会保持在这一阶段，直到遇到其他字符或没有新的字符，就进入到中止状态。</a:t>
+            </a:r>
           </a:p>
         </p:txBody>
       </p:sp>
@@ -808,7 +951,58 @@
           <a:bodyPr/>
           <a:lstStyle/>
           <a:p>
-            <a:endParaRPr lang="zh-CN" altLang="en-US" dirty="0"/>
+            <a:r>
+              <a:rPr lang="zh-CN" altLang="en-US" dirty="0"/>
+              <a:t>在语法分析部分，编译器同样采用</a:t>
+            </a:r>
+            <a:r>
+              <a:rPr lang="en-US" altLang="zh-CN" dirty="0"/>
+              <a:t>ply</a:t>
+            </a:r>
+            <a:r>
+              <a:rPr lang="zh-CN" altLang="en-US" dirty="0"/>
+              <a:t>进行语法分析。</a:t>
+            </a:r>
+            <a:br>
+              <a:rPr lang="en-US" altLang="zh-CN" dirty="0"/>
+            </a:br>
+            <a:br>
+              <a:rPr lang="en-US" altLang="zh-CN" dirty="0"/>
+            </a:br>
+            <a:r>
+              <a:rPr lang="en-US" altLang="zh-CN" dirty="0"/>
+              <a:t>Ply</a:t>
+            </a:r>
+            <a:r>
+              <a:rPr lang="zh-CN" altLang="en-US" dirty="0"/>
+              <a:t>在解析过程中会通过递归下降法构建抽象语法树，我们只需要定义一系列描述语法规则的函数</a:t>
+            </a:r>
+            <a:endParaRPr lang="en-US" altLang="zh-CN" dirty="0"/>
+          </a:p>
+          <a:p>
+            <a:endParaRPr lang="en-US" altLang="zh-CN" dirty="0"/>
+          </a:p>
+          <a:p>
+            <a:r>
+              <a:rPr lang="zh-CN" altLang="en-US" dirty="0"/>
+              <a:t>这些规则与非终结符一一对应，</a:t>
+            </a:r>
+            <a:r>
+              <a:rPr lang="en-US" altLang="zh-CN" dirty="0"/>
+              <a:t>ply</a:t>
+            </a:r>
+            <a:r>
+              <a:rPr lang="zh-CN" altLang="en-US" dirty="0"/>
+              <a:t>就会自动地生成完整的</a:t>
+            </a:r>
+            <a:r>
+              <a:rPr lang="en-US" altLang="zh-CN" dirty="0" err="1"/>
+              <a:t>lr</a:t>
+            </a:r>
+            <a:r>
+              <a:rPr lang="zh-CN" altLang="en-US" dirty="0"/>
+              <a:t>语法解析规则，并在解析过程中调用相应的语法解析函数。</a:t>
+            </a:r>
           </a:p>
         </p:txBody>
       </p:sp>
@@ -917,7 +1111,86 @@
           <a:bodyPr/>
           <a:lstStyle/>
           <a:p>
-            <a:endParaRPr lang="zh-CN" altLang="en-US" dirty="0"/>
+            <a:r>
+              <a:rPr lang="zh-CN" altLang="en-US" dirty="0"/>
+              <a:t>编译器实现了</a:t>
+            </a:r>
+            <a:r>
+              <a:rPr lang="en-US" altLang="zh-CN" dirty="0" err="1"/>
+              <a:t>ASTNode</a:t>
+            </a:r>
+            <a:r>
+              <a:rPr lang="zh-CN" altLang="en-US" dirty="0"/>
+              <a:t>类以代表</a:t>
+            </a:r>
+            <a:r>
+              <a:rPr lang="en-US" altLang="zh-CN" dirty="0"/>
+              <a:t>AST</a:t>
+            </a:r>
+            <a:r>
+              <a:rPr lang="zh-CN" altLang="en-US" dirty="0"/>
+              <a:t>中的节点，我们在其中记录每个节点的父节点和子节点，对于终结符节点，还会记录其相应的值，包括关键字、 数字、字符串等。</a:t>
+            </a:r>
+            <a:endParaRPr lang="en-US" altLang="zh-CN" dirty="0"/>
+          </a:p>
+          <a:p>
+            <a:endParaRPr lang="en-US" altLang="zh-CN" dirty="0"/>
+          </a:p>
+          <a:p>
+            <a:r>
+              <a:rPr lang="zh-CN" altLang="en-US" dirty="0"/>
+              <a:t>当</a:t>
+            </a:r>
+            <a:r>
+              <a:rPr lang="en-US" altLang="zh-CN" dirty="0"/>
+              <a:t>ply</a:t>
+            </a:r>
+            <a:r>
+              <a:rPr lang="zh-CN" altLang="en-US" dirty="0"/>
+              <a:t>递归调用语法规则描述函数时就能构建起完整的</a:t>
+            </a:r>
+            <a:r>
+              <a:rPr lang="en-US" altLang="zh-CN" dirty="0"/>
+              <a:t>AST</a:t>
+            </a:r>
+            <a:r>
+              <a:rPr lang="zh-CN" altLang="en-US" dirty="0"/>
+              <a:t>数。</a:t>
+            </a:r>
+            <a:endParaRPr lang="en-US" altLang="zh-CN" dirty="0"/>
+          </a:p>
+          <a:p>
+            <a:endParaRPr lang="en-US" altLang="zh-CN" dirty="0"/>
+          </a:p>
+          <a:p>
+            <a:r>
+              <a:rPr lang="zh-CN" altLang="en-US" dirty="0"/>
+              <a:t>由于</a:t>
+            </a:r>
+            <a:r>
+              <a:rPr lang="en-US" altLang="zh-CN" dirty="0"/>
+              <a:t>ply</a:t>
+            </a:r>
+            <a:r>
+              <a:rPr lang="zh-CN" altLang="en-US" dirty="0"/>
+              <a:t>解析时没有记录节点间的父子关系，为此，在</a:t>
+            </a:r>
+            <a:r>
+              <a:rPr lang="en-US" altLang="zh-CN" dirty="0"/>
+              <a:t>ply</a:t>
+            </a:r>
+            <a:r>
+              <a:rPr lang="zh-CN" altLang="en-US" dirty="0"/>
+              <a:t>解析后我们进一步基于</a:t>
+            </a:r>
+            <a:r>
+              <a:rPr lang="en-US" altLang="zh-CN" dirty="0"/>
+              <a:t>DFS</a:t>
+            </a:r>
+            <a:r>
+              <a:rPr lang="zh-CN" altLang="en-US" dirty="0"/>
+              <a:t>构建了节点间的父子关系，以便后续代码生成使用。</a:t>
+            </a:r>
           </a:p>
         </p:txBody>
       </p:sp>
@@ -1153,17 +1426,402 @@
               <a:defRPr/>
             </a:pPr>
             <a:r>
-              <a:rPr lang="zh-CN" altLang="en-US" b="1" dirty="0">
+              <a:rPr lang="zh-CN" altLang="en-US" b="0" dirty="0">
                 <a:cs typeface="Times New Roman" panose="02020603050405020304" pitchFamily="18" charset="0"/>
               </a:rPr>
-              <a:t>并行执行计算</a:t>
-            </a:r>
-            <a:endParaRPr lang="en-US" altLang="zh-CN" b="1" dirty="0">
+              <a:t>下面介绍</a:t>
+            </a:r>
+            <a:r>
+              <a:rPr lang="en-US" altLang="zh-CN" b="0" dirty="0">
+                <a:cs typeface="Times New Roman" panose="02020603050405020304" pitchFamily="18" charset="0"/>
+              </a:rPr>
+              <a:t>p-lang </a:t>
+            </a:r>
+            <a:r>
+              <a:rPr lang="en-US" altLang="zh-CN" b="0" dirty="0" err="1">
+                <a:cs typeface="Times New Roman" panose="02020603050405020304" pitchFamily="18" charset="0"/>
+              </a:rPr>
+              <a:t>gemv</a:t>
+            </a:r>
+            <a:r>
+              <a:rPr lang="zh-CN" altLang="en-US" b="0" dirty="0">
+                <a:cs typeface="Times New Roman" panose="02020603050405020304" pitchFamily="18" charset="0"/>
+              </a:rPr>
+              <a:t>相关测试的验证和实验方式。</a:t>
+            </a:r>
+            <a:endParaRPr lang="en-US" altLang="zh-CN" b="0" dirty="0">
               <a:cs typeface="Times New Roman" panose="02020603050405020304" pitchFamily="18" charset="0"/>
             </a:endParaRPr>
           </a:p>
           <a:p>
-            <a:endParaRPr lang="zh-CN" altLang="en-US" dirty="0"/>
+            <a:pPr marL="0" marR="0" lvl="0" indent="0" algn="l" defTabSz="914400" rtl="0" eaLnBrk="1" fontAlgn="auto" latinLnBrk="0" hangingPunct="1">
+              <a:lnSpc>
+                <a:spcPct val="100000"/>
+              </a:lnSpc>
+              <a:spcBef>
+                <a:spcPts val="0"/>
+              </a:spcBef>
+              <a:spcAft>
+                <a:spcPts val="0"/>
+              </a:spcAft>
+              <a:buClrTx/>
+              <a:buSzTx/>
+              <a:buFontTx/>
+              <a:buNone/>
+              <a:tabLst/>
+              <a:defRPr/>
+            </a:pPr>
+            <a:endParaRPr lang="en-US" altLang="zh-CN" b="0" dirty="0">
+              <a:cs typeface="Times New Roman" panose="02020603050405020304" pitchFamily="18" charset="0"/>
+            </a:endParaRPr>
+          </a:p>
+          <a:p>
+            <a:pPr marL="0" marR="0" lvl="0" indent="0" algn="l" defTabSz="914400" rtl="0" eaLnBrk="1" fontAlgn="auto" latinLnBrk="0" hangingPunct="1">
+              <a:lnSpc>
+                <a:spcPct val="100000"/>
+              </a:lnSpc>
+              <a:spcBef>
+                <a:spcPts val="0"/>
+              </a:spcBef>
+              <a:spcAft>
+                <a:spcPts val="0"/>
+              </a:spcAft>
+              <a:buClrTx/>
+              <a:buSzTx/>
+              <a:buFontTx/>
+              <a:buNone/>
+              <a:tabLst/>
+              <a:defRPr/>
+            </a:pPr>
+            <a:r>
+              <a:rPr lang="zh-CN" altLang="en-US" b="0" dirty="0">
+                <a:cs typeface="Times New Roman" panose="02020603050405020304" pitchFamily="18" charset="0"/>
+              </a:rPr>
+              <a:t>我们首先实现了一个</a:t>
+            </a:r>
+            <a:r>
+              <a:rPr lang="en-US" altLang="zh-CN" b="0" dirty="0">
+                <a:cs typeface="Times New Roman" panose="02020603050405020304" pitchFamily="18" charset="0"/>
+              </a:rPr>
+              <a:t>python</a:t>
+            </a:r>
+            <a:r>
+              <a:rPr lang="zh-CN" altLang="en-US" b="0" dirty="0">
+                <a:cs typeface="Times New Roman" panose="02020603050405020304" pitchFamily="18" charset="0"/>
+              </a:rPr>
+              <a:t>脚本，通过</a:t>
+            </a:r>
+            <a:r>
+              <a:rPr lang="en-US" altLang="zh-CN" b="0" dirty="0" err="1">
+                <a:cs typeface="Times New Roman" panose="02020603050405020304" pitchFamily="18" charset="0"/>
+              </a:rPr>
+              <a:t>Numpy</a:t>
+            </a:r>
+            <a:r>
+              <a:rPr lang="zh-CN" altLang="en-US" b="0" dirty="0">
+                <a:cs typeface="Times New Roman" panose="02020603050405020304" pitchFamily="18" charset="0"/>
+              </a:rPr>
+              <a:t>初始化了一个</a:t>
+            </a:r>
+            <a:r>
+              <a:rPr lang="en-US" altLang="zh-CN" b="0" dirty="0">
+                <a:cs typeface="Times New Roman" panose="02020603050405020304" pitchFamily="18" charset="0"/>
+              </a:rPr>
+              <a:t>5*10</a:t>
+            </a:r>
+            <a:r>
+              <a:rPr lang="zh-CN" altLang="en-US" b="0" dirty="0">
+                <a:cs typeface="Times New Roman" panose="02020603050405020304" pitchFamily="18" charset="0"/>
+              </a:rPr>
+              <a:t>的浮点矩阵</a:t>
+            </a:r>
+            <a:r>
+              <a:rPr lang="en-US" altLang="zh-CN" b="0" dirty="0">
+                <a:cs typeface="Times New Roman" panose="02020603050405020304" pitchFamily="18" charset="0"/>
+              </a:rPr>
+              <a:t>A</a:t>
+            </a:r>
+            <a:r>
+              <a:rPr lang="zh-CN" altLang="en-US" b="0" dirty="0">
+                <a:cs typeface="Times New Roman" panose="02020603050405020304" pitchFamily="18" charset="0"/>
+              </a:rPr>
+              <a:t>，和一个</a:t>
+            </a:r>
+            <a:r>
+              <a:rPr lang="en-US" altLang="zh-CN" b="0" dirty="0">
+                <a:cs typeface="Times New Roman" panose="02020603050405020304" pitchFamily="18" charset="0"/>
+              </a:rPr>
+              <a:t>10*1</a:t>
+            </a:r>
+            <a:r>
+              <a:rPr lang="zh-CN" altLang="en-US" b="0" dirty="0">
+                <a:cs typeface="Times New Roman" panose="02020603050405020304" pitchFamily="18" charset="0"/>
+              </a:rPr>
+              <a:t>的浮点向量</a:t>
+            </a:r>
+            <a:r>
+              <a:rPr lang="en-US" altLang="zh-CN" b="0" dirty="0">
+                <a:cs typeface="Times New Roman" panose="02020603050405020304" pitchFamily="18" charset="0"/>
+              </a:rPr>
+              <a:t>x</a:t>
+            </a:r>
+            <a:r>
+              <a:rPr lang="zh-CN" altLang="en-US" b="0" dirty="0">
+                <a:cs typeface="Times New Roman" panose="02020603050405020304" pitchFamily="18" charset="0"/>
+              </a:rPr>
+              <a:t>，随后调用</a:t>
+            </a:r>
+            <a:r>
+              <a:rPr lang="en-US" altLang="zh-CN" b="0" dirty="0" err="1">
+                <a:cs typeface="Times New Roman" panose="02020603050405020304" pitchFamily="18" charset="0"/>
+              </a:rPr>
+              <a:t>numpy</a:t>
+            </a:r>
+            <a:r>
+              <a:rPr lang="zh-CN" altLang="en-US" b="0" dirty="0">
+                <a:cs typeface="Times New Roman" panose="02020603050405020304" pitchFamily="18" charset="0"/>
+              </a:rPr>
+              <a:t>的矩阵向量成方法获取了</a:t>
+            </a:r>
+            <a:r>
+              <a:rPr lang="en-US" altLang="zh-CN" b="0" dirty="0">
+                <a:cs typeface="Times New Roman" panose="02020603050405020304" pitchFamily="18" charset="0"/>
+              </a:rPr>
+              <a:t>A*x</a:t>
+            </a:r>
+            <a:r>
+              <a:rPr lang="zh-CN" altLang="en-US" b="0" dirty="0">
+                <a:cs typeface="Times New Roman" panose="02020603050405020304" pitchFamily="18" charset="0"/>
+              </a:rPr>
+              <a:t>的正确结果。</a:t>
+            </a:r>
+            <a:endParaRPr lang="en-US" altLang="zh-CN" b="0" dirty="0">
+              <a:cs typeface="Times New Roman" panose="02020603050405020304" pitchFamily="18" charset="0"/>
+            </a:endParaRPr>
+          </a:p>
+          <a:p>
+            <a:pPr marL="0" marR="0" lvl="0" indent="0" algn="l" defTabSz="914400" rtl="0" eaLnBrk="1" fontAlgn="auto" latinLnBrk="0" hangingPunct="1">
+              <a:lnSpc>
+                <a:spcPct val="100000"/>
+              </a:lnSpc>
+              <a:spcBef>
+                <a:spcPts val="0"/>
+              </a:spcBef>
+              <a:spcAft>
+                <a:spcPts val="0"/>
+              </a:spcAft>
+              <a:buClrTx/>
+              <a:buSzTx/>
+              <a:buFontTx/>
+              <a:buNone/>
+              <a:tabLst/>
+              <a:defRPr/>
+            </a:pPr>
+            <a:endParaRPr lang="en-US" altLang="zh-CN" b="0" dirty="0">
+              <a:cs typeface="Times New Roman" panose="02020603050405020304" pitchFamily="18" charset="0"/>
+            </a:endParaRPr>
+          </a:p>
+          <a:p>
+            <a:pPr marL="0" marR="0" lvl="0" indent="0" algn="l" defTabSz="914400" rtl="0" eaLnBrk="1" fontAlgn="auto" latinLnBrk="0" hangingPunct="1">
+              <a:lnSpc>
+                <a:spcPct val="100000"/>
+              </a:lnSpc>
+              <a:spcBef>
+                <a:spcPts val="0"/>
+              </a:spcBef>
+              <a:spcAft>
+                <a:spcPts val="0"/>
+              </a:spcAft>
+              <a:buClrTx/>
+              <a:buSzTx/>
+              <a:buFontTx/>
+              <a:buNone/>
+              <a:tabLst/>
+              <a:defRPr/>
+            </a:pPr>
+            <a:r>
+              <a:rPr lang="zh-CN" altLang="en-US" b="0" dirty="0">
+                <a:cs typeface="Times New Roman" panose="02020603050405020304" pitchFamily="18" charset="0"/>
+              </a:rPr>
+              <a:t>然后将矩阵和向量的值保存在文本文件中供后续编译运行使用。</a:t>
+            </a:r>
+            <a:endParaRPr lang="en-US" altLang="zh-CN" b="0" dirty="0">
+              <a:cs typeface="Times New Roman" panose="02020603050405020304" pitchFamily="18" charset="0"/>
+            </a:endParaRPr>
+          </a:p>
+          <a:p>
+            <a:pPr marL="0" marR="0" lvl="0" indent="0" algn="l" defTabSz="914400" rtl="0" eaLnBrk="1" fontAlgn="auto" latinLnBrk="0" hangingPunct="1">
+              <a:lnSpc>
+                <a:spcPct val="100000"/>
+              </a:lnSpc>
+              <a:spcBef>
+                <a:spcPts val="0"/>
+              </a:spcBef>
+              <a:spcAft>
+                <a:spcPts val="0"/>
+              </a:spcAft>
+              <a:buClrTx/>
+              <a:buSzTx/>
+              <a:buFontTx/>
+              <a:buNone/>
+              <a:tabLst/>
+              <a:defRPr/>
+            </a:pPr>
+            <a:endParaRPr lang="en-US" altLang="zh-CN" b="0" dirty="0">
+              <a:cs typeface="Times New Roman" panose="02020603050405020304" pitchFamily="18" charset="0"/>
+            </a:endParaRPr>
+          </a:p>
+          <a:p>
+            <a:pPr marL="0" marR="0" lvl="0" indent="0" algn="l" defTabSz="914400" rtl="0" eaLnBrk="1" fontAlgn="auto" latinLnBrk="0" hangingPunct="1">
+              <a:lnSpc>
+                <a:spcPct val="100000"/>
+              </a:lnSpc>
+              <a:spcBef>
+                <a:spcPts val="0"/>
+              </a:spcBef>
+              <a:spcAft>
+                <a:spcPts val="0"/>
+              </a:spcAft>
+              <a:buClrTx/>
+              <a:buSzTx/>
+              <a:buFontTx/>
+              <a:buNone/>
+              <a:tabLst/>
+              <a:defRPr/>
+            </a:pPr>
+            <a:r>
+              <a:rPr lang="zh-CN" altLang="en-US" b="0" dirty="0">
+                <a:cs typeface="Times New Roman" panose="02020603050405020304" pitchFamily="18" charset="0"/>
+              </a:rPr>
+              <a:t>在测试代码部分，首先循环读取数据，初始化矩阵</a:t>
+            </a:r>
+            <a:r>
+              <a:rPr lang="en-US" altLang="zh-CN" b="0" dirty="0">
+                <a:cs typeface="Times New Roman" panose="02020603050405020304" pitchFamily="18" charset="0"/>
+              </a:rPr>
+              <a:t>A</a:t>
+            </a:r>
+            <a:r>
+              <a:rPr lang="zh-CN" altLang="en-US" b="0" dirty="0">
+                <a:cs typeface="Times New Roman" panose="02020603050405020304" pitchFamily="18" charset="0"/>
+              </a:rPr>
+              <a:t>和向量</a:t>
+            </a:r>
+            <a:r>
+              <a:rPr lang="en-US" altLang="zh-CN" b="0" dirty="0">
+                <a:cs typeface="Times New Roman" panose="02020603050405020304" pitchFamily="18" charset="0"/>
+              </a:rPr>
+              <a:t>X</a:t>
+            </a:r>
+            <a:r>
+              <a:rPr lang="zh-CN" altLang="en-US" b="0" dirty="0">
+                <a:cs typeface="Times New Roman" panose="02020603050405020304" pitchFamily="18" charset="0"/>
+              </a:rPr>
+              <a:t>，然后利用</a:t>
+            </a:r>
+            <a:r>
+              <a:rPr lang="en-US" altLang="zh-CN" b="0" dirty="0">
+                <a:cs typeface="Times New Roman" panose="02020603050405020304" pitchFamily="18" charset="0"/>
+              </a:rPr>
+              <a:t>parallel</a:t>
+            </a:r>
+            <a:r>
+              <a:rPr lang="zh-CN" altLang="en-US" b="0" dirty="0">
+                <a:cs typeface="Times New Roman" panose="02020603050405020304" pitchFamily="18" charset="0"/>
+              </a:rPr>
+              <a:t>语句对每行的结果并行地进行计算。</a:t>
+            </a:r>
+            <a:br>
+              <a:rPr lang="en-US" altLang="zh-CN" b="0" dirty="0">
+                <a:cs typeface="Times New Roman" panose="02020603050405020304" pitchFamily="18" charset="0"/>
+              </a:rPr>
+            </a:br>
+            <a:br>
+              <a:rPr lang="en-US" altLang="zh-CN" b="0" dirty="0">
+                <a:cs typeface="Times New Roman" panose="02020603050405020304" pitchFamily="18" charset="0"/>
+              </a:rPr>
+            </a:br>
+            <a:r>
+              <a:rPr lang="zh-CN" altLang="en-US" b="0" dirty="0">
+                <a:cs typeface="Times New Roman" panose="02020603050405020304" pitchFamily="18" charset="0"/>
+              </a:rPr>
+              <a:t>最后，我们将</a:t>
+            </a:r>
+            <a:r>
+              <a:rPr lang="en-US" altLang="zh-CN" b="0" dirty="0">
+                <a:cs typeface="Times New Roman" panose="02020603050405020304" pitchFamily="18" charset="0"/>
+              </a:rPr>
+              <a:t>python</a:t>
+            </a:r>
+            <a:r>
+              <a:rPr lang="zh-CN" altLang="en-US" b="0" dirty="0">
+                <a:cs typeface="Times New Roman" panose="02020603050405020304" pitchFamily="18" charset="0"/>
+              </a:rPr>
+              <a:t>侧输出的结果和</a:t>
+            </a:r>
+            <a:r>
+              <a:rPr lang="en-US" altLang="zh-CN" b="0" dirty="0">
+                <a:cs typeface="Times New Roman" panose="02020603050405020304" pitchFamily="18" charset="0"/>
+              </a:rPr>
+              <a:t>p-lang</a:t>
+            </a:r>
+            <a:r>
+              <a:rPr lang="zh-CN" altLang="en-US" b="0" dirty="0">
+                <a:cs typeface="Times New Roman" panose="02020603050405020304" pitchFamily="18" charset="0"/>
+              </a:rPr>
+              <a:t>执行的结果都输出到控制台上，方便比对。</a:t>
+            </a:r>
+            <a:endParaRPr lang="en-US" altLang="zh-CN" b="0" dirty="0">
+              <a:cs typeface="Times New Roman" panose="02020603050405020304" pitchFamily="18" charset="0"/>
+            </a:endParaRPr>
+          </a:p>
+          <a:p>
+            <a:pPr marL="0" marR="0" lvl="0" indent="0" algn="l" defTabSz="914400" rtl="0" eaLnBrk="1" fontAlgn="auto" latinLnBrk="0" hangingPunct="1">
+              <a:lnSpc>
+                <a:spcPct val="100000"/>
+              </a:lnSpc>
+              <a:spcBef>
+                <a:spcPts val="0"/>
+              </a:spcBef>
+              <a:spcAft>
+                <a:spcPts val="0"/>
+              </a:spcAft>
+              <a:buClrTx/>
+              <a:buSzTx/>
+              <a:buFontTx/>
+              <a:buNone/>
+              <a:tabLst/>
+              <a:defRPr/>
+            </a:pPr>
+            <a:endParaRPr lang="en-US" altLang="zh-CN" b="0" dirty="0">
+              <a:cs typeface="Times New Roman" panose="02020603050405020304" pitchFamily="18" charset="0"/>
+            </a:endParaRPr>
+          </a:p>
+          <a:p>
+            <a:pPr marL="0" marR="0" lvl="0" indent="0" algn="l" defTabSz="914400" rtl="0" eaLnBrk="1" fontAlgn="auto" latinLnBrk="0" hangingPunct="1">
+              <a:lnSpc>
+                <a:spcPct val="100000"/>
+              </a:lnSpc>
+              <a:spcBef>
+                <a:spcPts val="0"/>
+              </a:spcBef>
+              <a:spcAft>
+                <a:spcPts val="0"/>
+              </a:spcAft>
+              <a:buClrTx/>
+              <a:buSzTx/>
+              <a:buFontTx/>
+              <a:buNone/>
+              <a:tabLst/>
+              <a:defRPr/>
+            </a:pPr>
+            <a:r>
+              <a:rPr lang="zh-CN" altLang="en-US" b="0" dirty="0">
+                <a:cs typeface="Times New Roman" panose="02020603050405020304" pitchFamily="18" charset="0"/>
+              </a:rPr>
+              <a:t>可以看到，二者的计算结果是一致的。</a:t>
+            </a:r>
+            <a:endParaRPr lang="zh-CN" altLang="en-US" b="0" dirty="0"/>
           </a:p>
         </p:txBody>
       </p:sp>
@@ -1448,7 +2106,44 @@
           <a:bodyPr/>
           <a:lstStyle/>
           <a:p>
-            <a:endParaRPr lang="zh-CN" altLang="en-US" dirty="0"/>
+            <a:r>
+              <a:rPr lang="zh-CN" altLang="en-US" dirty="0"/>
+              <a:t>首先介绍我们语言的词法规则。</a:t>
+            </a:r>
+            <a:br>
+              <a:rPr lang="en-US" altLang="zh-CN" dirty="0"/>
+            </a:br>
+            <a:br>
+              <a:rPr lang="en-US" altLang="zh-CN" dirty="0"/>
+            </a:br>
+            <a:r>
+              <a:rPr lang="zh-CN" altLang="en-US" dirty="0"/>
+              <a:t>关键字部分，在</a:t>
+            </a:r>
+            <a:r>
+              <a:rPr lang="en-US" altLang="zh-CN" dirty="0"/>
+              <a:t>C</a:t>
+            </a:r>
+            <a:r>
+              <a:rPr lang="zh-CN" altLang="en-US" dirty="0"/>
+              <a:t>语言关键字的基础上，我们添加了与并行相关的关键字，包括</a:t>
+            </a:r>
+            <a:r>
+              <a:rPr lang="en-US" altLang="zh-CN" dirty="0"/>
+              <a:t>parallel, in, mutex, pipe</a:t>
+            </a:r>
+            <a:r>
+              <a:rPr lang="zh-CN" altLang="en-US" dirty="0"/>
+              <a:t>等等，初次之外，引入了关键字</a:t>
+            </a:r>
+            <a:r>
+              <a:rPr lang="en-US" altLang="zh-CN" dirty="0"/>
+              <a:t>def</a:t>
+            </a:r>
+            <a:r>
+              <a:rPr lang="zh-CN" altLang="en-US" dirty="0"/>
+              <a:t>以进行函数的定义。</a:t>
+            </a:r>
           </a:p>
         </p:txBody>
       </p:sp>
@@ -1551,7 +2246,28 @@
           <a:bodyPr/>
           <a:lstStyle/>
           <a:p>
-            <a:endParaRPr lang="zh-CN" altLang="en-US" dirty="0"/>
+            <a:r>
+              <a:rPr lang="zh-CN" altLang="en-US" dirty="0"/>
+              <a:t>在运算符部分，在基础的</a:t>
+            </a:r>
+            <a:r>
+              <a:rPr lang="en-US" altLang="zh-CN" dirty="0"/>
+              <a:t>c</a:t>
+            </a:r>
+            <a:r>
+              <a:rPr lang="zh-CN" altLang="en-US" dirty="0"/>
+              <a:t>语言支持的运算符的基础上，我们修改了左移符号和右移符号的含义，将其应用于管道的读写。</a:t>
+            </a:r>
+            <a:endParaRPr lang="en-US" altLang="zh-CN" dirty="0"/>
+          </a:p>
+          <a:p>
+            <a:endParaRPr lang="en-US" altLang="zh-CN" dirty="0"/>
+          </a:p>
+          <a:p>
+            <a:r>
+              <a:rPr lang="zh-CN" altLang="en-US" dirty="0"/>
+              <a:t>而在标识符和字面量部分，在整型和浮点型的基础上拓展了布尔类型和字符串类型。</a:t>
+            </a:r>
           </a:p>
         </p:txBody>
       </p:sp>
@@ -1660,7 +2376,52 @@
           <a:bodyPr/>
           <a:lstStyle/>
           <a:p>
-            <a:endParaRPr lang="zh-CN" altLang="en-US" dirty="0"/>
+            <a:r>
+              <a:rPr lang="zh-CN" altLang="en-US" dirty="0"/>
+              <a:t>在语法规则方面，</a:t>
+            </a:r>
+            <a:r>
+              <a:rPr lang="en-US" altLang="zh-CN" dirty="0"/>
+              <a:t>p-lang</a:t>
+            </a:r>
+            <a:r>
+              <a:rPr lang="zh-CN" altLang="en-US" dirty="0"/>
+              <a:t>采用</a:t>
+            </a:r>
+            <a:r>
+              <a:rPr lang="en-US" altLang="zh-CN" dirty="0"/>
+              <a:t>BNF</a:t>
+            </a:r>
+            <a:r>
+              <a:rPr lang="zh-CN" altLang="en-US" dirty="0"/>
+              <a:t>范式描述语法规则，</a:t>
+            </a:r>
+            <a:r>
+              <a:rPr lang="en-US" altLang="zh-CN" dirty="0" err="1"/>
+              <a:t>CompUnit</a:t>
+            </a:r>
+            <a:r>
+              <a:rPr lang="zh-CN" altLang="en-US" dirty="0"/>
+              <a:t>为主要的编译单元，由声明部分和函数定义以及主函数定义部分组成。</a:t>
+            </a:r>
+            <a:endParaRPr lang="en-US" altLang="zh-CN" dirty="0"/>
+          </a:p>
+          <a:p>
+            <a:endParaRPr lang="en-US" altLang="zh-CN" dirty="0"/>
+          </a:p>
+          <a:p>
+            <a:r>
+              <a:rPr lang="zh-CN" altLang="en-US" dirty="0"/>
+              <a:t>首先是声明部分，可以分为常量声明和变量声明，除了基本的数据类型，</a:t>
+            </a:r>
+            <a:r>
+              <a:rPr lang="en-US" altLang="zh-CN" dirty="0"/>
+              <a:t>p-lang</a:t>
+            </a:r>
+            <a:r>
+              <a:rPr lang="zh-CN" altLang="en-US" dirty="0"/>
+              <a:t>还支持多维数组的定义。</a:t>
+            </a:r>
           </a:p>
         </p:txBody>
       </p:sp>
@@ -1769,7 +2530,38 @@
           <a:bodyPr/>
           <a:lstStyle/>
           <a:p>
-            <a:endParaRPr lang="zh-CN" altLang="en-US" dirty="0"/>
+            <a:r>
+              <a:rPr lang="zh-CN" altLang="en-US" dirty="0"/>
+              <a:t>在函数定义部分，</a:t>
+            </a:r>
+            <a:r>
+              <a:rPr lang="en-US" altLang="zh-CN" dirty="0"/>
+              <a:t>p-lang</a:t>
+            </a:r>
+            <a:r>
+              <a:rPr lang="zh-CN" altLang="en-US" dirty="0"/>
+              <a:t>要求在函数定义时明确返回值的数据类型，形参的数据类型同样是需要的。</a:t>
+            </a:r>
+            <a:endParaRPr lang="en-US" altLang="zh-CN" dirty="0"/>
+          </a:p>
+          <a:p>
+            <a:endParaRPr lang="en-US" altLang="zh-CN" dirty="0"/>
+          </a:p>
+          <a:p>
+            <a:r>
+              <a:rPr lang="zh-CN" altLang="en-US" dirty="0"/>
+              <a:t>值得注意的是，当形参为数组时，需要以常量的形式明确数组每个维度的大小。</a:t>
+            </a:r>
+            <a:endParaRPr lang="en-US" altLang="zh-CN" dirty="0"/>
+          </a:p>
+          <a:p>
+            <a:endParaRPr lang="en-US" altLang="zh-CN" dirty="0"/>
+          </a:p>
+          <a:p>
+            <a:r>
+              <a:rPr lang="zh-CN" altLang="en-US" dirty="0"/>
+              <a:t>函数实参部分同样支持数组的传入。</a:t>
+            </a:r>
           </a:p>
         </p:txBody>
       </p:sp>
@@ -1878,7 +2670,96 @@
           <a:bodyPr/>
           <a:lstStyle/>
           <a:p>
-            <a:endParaRPr lang="zh-CN" altLang="en-US" dirty="0"/>
+            <a:r>
+              <a:rPr lang="zh-CN" altLang="en-US" dirty="0"/>
+              <a:t>在语句方面，</a:t>
+            </a:r>
+            <a:r>
+              <a:rPr lang="en-US" altLang="zh-CN" dirty="0"/>
+              <a:t>p-lang</a:t>
+            </a:r>
+            <a:r>
+              <a:rPr lang="zh-CN" altLang="en-US" dirty="0"/>
+              <a:t>在</a:t>
+            </a:r>
+            <a:r>
+              <a:rPr lang="en-US" altLang="zh-CN" dirty="0"/>
+              <a:t>c</a:t>
+            </a:r>
+            <a:r>
+              <a:rPr lang="zh-CN" altLang="en-US" dirty="0"/>
+              <a:t>语言的基础上进行了扩充。</a:t>
+            </a:r>
+            <a:endParaRPr lang="en-US" altLang="zh-CN" dirty="0"/>
+          </a:p>
+          <a:p>
+            <a:endParaRPr lang="en-US" altLang="zh-CN" dirty="0"/>
+          </a:p>
+          <a:p>
+            <a:r>
+              <a:rPr lang="zh-CN" altLang="en-US" dirty="0"/>
+              <a:t>最具特色的就是并行语句，也就是</a:t>
+            </a:r>
+            <a:r>
+              <a:rPr lang="en-US" altLang="zh-CN" dirty="0"/>
+              <a:t>parallel</a:t>
+            </a:r>
+            <a:r>
+              <a:rPr lang="zh-CN" altLang="en-US" dirty="0"/>
+              <a:t>语句，通过传入可迭代对象，并行地对这些可迭代对象执行代码块。</a:t>
+            </a:r>
+            <a:endParaRPr lang="en-US" altLang="zh-CN" dirty="0"/>
+          </a:p>
+          <a:p>
+            <a:endParaRPr lang="en-US" altLang="zh-CN" dirty="0"/>
+          </a:p>
+          <a:p>
+            <a:r>
+              <a:rPr lang="zh-CN" altLang="en-US" dirty="0"/>
+              <a:t>除此之外，为了支持线程间通信，</a:t>
+            </a:r>
+            <a:r>
+              <a:rPr lang="en-US" altLang="zh-CN" dirty="0"/>
+              <a:t>p-lang</a:t>
+            </a:r>
+            <a:r>
+              <a:rPr lang="zh-CN" altLang="en-US" dirty="0"/>
+              <a:t>还引入了管道读写相关的语句以及</a:t>
+            </a:r>
+            <a:r>
+              <a:rPr lang="en-US" altLang="zh-CN" dirty="0"/>
+              <a:t>mutex</a:t>
+            </a:r>
+            <a:r>
+              <a:rPr lang="zh-CN" altLang="en-US" dirty="0"/>
+              <a:t>代码块。</a:t>
+            </a:r>
+            <a:br>
+              <a:rPr lang="en-US" altLang="zh-CN" dirty="0"/>
+            </a:br>
+            <a:br>
+              <a:rPr lang="en-US" altLang="zh-CN" dirty="0"/>
+            </a:br>
+            <a:r>
+              <a:rPr lang="zh-CN" altLang="en-US" dirty="0"/>
+              <a:t>为了方便用户使用，引入类</a:t>
+            </a:r>
+            <a:r>
+              <a:rPr lang="en-US" altLang="zh-CN" dirty="0"/>
+              <a:t>python</a:t>
+            </a:r>
+            <a:r>
+              <a:rPr lang="zh-CN" altLang="en-US" dirty="0"/>
+              <a:t>的</a:t>
+            </a:r>
+            <a:r>
+              <a:rPr lang="en-US" altLang="zh-CN" dirty="0"/>
+              <a:t>in</a:t>
+            </a:r>
+            <a:r>
+              <a:rPr lang="zh-CN" altLang="en-US" dirty="0"/>
+              <a:t>语法来便捷地遍历数组元素。</a:t>
+            </a:r>
           </a:p>
         </p:txBody>
       </p:sp>
@@ -13833,7 +14714,7 @@
           <p:nvPr>
             <p:extLst>
               <p:ext uri="{D42A27DB-BD31-4B8C-83A1-F6EECF244321}">
-                <p14:modId xmlns:p14="http://schemas.microsoft.com/office/powerpoint/2010/main" val="1057008481"/>
+                <p14:modId xmlns:p14="http://schemas.microsoft.com/office/powerpoint/2010/main" val="3992534218"/>
               </p:ext>
             </p:extLst>
           </p:nvPr>
@@ -14084,9 +14965,9 @@
                     <a:lstStyle/>
                     <a:p>
                       <a:r>
-                        <a:rPr lang="en-US" b="1">
+                        <a:rPr lang="en-US" b="0" dirty="0">
                           <a:solidFill>
-                            <a:schemeClr val="accent1"/>
+                            <a:schemeClr val="tx1"/>
                           </a:solidFill>
                           <a:effectLst/>
                         </a:rPr>
@@ -14117,7 +14998,7 @@
                     <a:lstStyle/>
                     <a:p>
                       <a:r>
-                        <a:rPr lang="en-US">
+                        <a:rPr lang="en-US" dirty="0">
                           <a:effectLst/>
                         </a:rPr>
                         <a:t>MAIN</a:t>
@@ -14157,10 +15038,22 @@
                     <a:lstStyle/>
                     <a:p>
                       <a:r>
-                        <a:rPr lang="zh-CN" altLang="en-US">
+                        <a:rPr lang="zh-CN" altLang="en-US" dirty="0">
                           <a:effectLst/>
                         </a:rPr>
-                        <a:t>用于指定范围或集合成员关系（如在循环中）</a:t>
+                        <a:t>用于指定可迭代的成员关系（循环</a:t>
+                      </a:r>
+                      <a:r>
+                        <a:rPr lang="en-US" altLang="zh-CN" dirty="0">
+                          <a:effectLst/>
+                        </a:rPr>
+                        <a:t>/</a:t>
+                      </a:r>
+                      <a:r>
+                        <a:rPr lang="zh-CN" altLang="en-US" dirty="0">
+                          <a:effectLst/>
+                        </a:rPr>
+                        <a:t>并行计算）</a:t>
                       </a:r>
                     </a:p>
                   </a:txBody>
@@ -14172,7 +15065,7 @@
                     <a:lstStyle/>
                     <a:p>
                       <a:r>
-                        <a:rPr lang="en-US">
+                        <a:rPr lang="en-US" dirty="0">
                           <a:effectLst/>
                         </a:rPr>
                         <a:t>IN</a:t>

--- a/程设大作业.pptx
+++ b/程设大作业.pptx
@@ -975,7 +975,15 @@
             </a:r>
             <a:r>
               <a:rPr lang="zh-CN" altLang="en-US" dirty="0"/>
-              <a:t>在解析过程中会通过递归下降法构建抽象语法树，我们只需要定义一系列描述语法规则的函数</a:t>
+              <a:t>在解析过程中</a:t>
+            </a:r>
+            <a:r>
+              <a:rPr lang="zh-CN" altLang="en-US"/>
+              <a:t>会通过自底向上的方式构建</a:t>
+            </a:r>
+            <a:r>
+              <a:rPr lang="zh-CN" altLang="en-US" dirty="0"/>
+              <a:t>抽象语法树，我们只需要定义一系列描述语法规则的函数</a:t>
             </a:r>
             <a:endParaRPr lang="en-US" altLang="zh-CN" dirty="0"/>
           </a:p>
@@ -10123,7 +10131,7 @@
               <a:rPr lang="zh-CN" altLang="en-US" b="1" dirty="0">
                 <a:cs typeface="Times New Roman" panose="02020603050405020304" pitchFamily="18" charset="0"/>
               </a:rPr>
-              <a:t>基于递归下降法构建抽象语法树（</a:t>
+              <a:t>基于自底向上的语法分析方式构建抽象语法树（</a:t>
             </a:r>
             <a:r>
               <a:rPr lang="en-US" altLang="zh-CN" b="1" dirty="0">
